--- a/Diagramme de classe/L4 - Constructeurs et instances/L4 - Constructeurs et instances.pptx
+++ b/Diagramme de classe/L4 - Constructeurs et instances/L4 - Constructeurs et instances.pptx
@@ -195,7 +195,7 @@
           <a:p>
             <a:fld id="{A25623AB-641E-4BE5-8BB8-E9ECD9F62C0A}" type="datetimeFigureOut">
               <a:rPr lang="fr-FR" smtClean="0"/>
-              <a:t>31.01.14</a:t>
+              <a:t>01.02.14</a:t>
             </a:fld>
             <a:endParaRPr lang="fr-CH"/>
           </a:p>
@@ -728,7 +728,7 @@
             <a:fld id="{AA309A6D-C09C-4548-B29A-6CF363A7E532}" type="datetimeFigureOut">
               <a:rPr lang="fr-FR" smtClean="0"/>
               <a:pPr/>
-              <a:t>31.01.14</a:t>
+              <a:t>01.02.14</a:t>
             </a:fld>
             <a:endParaRPr lang="fr-BE"/>
           </a:p>
@@ -895,7 +895,7 @@
             <a:fld id="{AA309A6D-C09C-4548-B29A-6CF363A7E532}" type="datetimeFigureOut">
               <a:rPr lang="fr-FR" smtClean="0"/>
               <a:pPr/>
-              <a:t>31.01.14</a:t>
+              <a:t>01.02.14</a:t>
             </a:fld>
             <a:endParaRPr lang="fr-BE"/>
           </a:p>
@@ -1072,7 +1072,7 @@
             <a:fld id="{AA309A6D-C09C-4548-B29A-6CF363A7E532}" type="datetimeFigureOut">
               <a:rPr lang="fr-FR" smtClean="0"/>
               <a:pPr/>
-              <a:t>31.01.14</a:t>
+              <a:t>01.02.14</a:t>
             </a:fld>
             <a:endParaRPr lang="fr-BE"/>
           </a:p>
@@ -1239,7 +1239,7 @@
             <a:fld id="{AA309A6D-C09C-4548-B29A-6CF363A7E532}" type="datetimeFigureOut">
               <a:rPr lang="fr-FR" smtClean="0"/>
               <a:pPr/>
-              <a:t>31.01.14</a:t>
+              <a:t>01.02.14</a:t>
             </a:fld>
             <a:endParaRPr lang="fr-BE"/>
           </a:p>
@@ -1482,7 +1482,7 @@
             <a:fld id="{AA309A6D-C09C-4548-B29A-6CF363A7E532}" type="datetimeFigureOut">
               <a:rPr lang="fr-FR" smtClean="0"/>
               <a:pPr/>
-              <a:t>31.01.14</a:t>
+              <a:t>01.02.14</a:t>
             </a:fld>
             <a:endParaRPr lang="fr-BE"/>
           </a:p>
@@ -1767,7 +1767,7 @@
             <a:fld id="{AA309A6D-C09C-4548-B29A-6CF363A7E532}" type="datetimeFigureOut">
               <a:rPr lang="fr-FR" smtClean="0"/>
               <a:pPr/>
-              <a:t>31.01.14</a:t>
+              <a:t>01.02.14</a:t>
             </a:fld>
             <a:endParaRPr lang="fr-BE"/>
           </a:p>
@@ -2186,7 +2186,7 @@
             <a:fld id="{AA309A6D-C09C-4548-B29A-6CF363A7E532}" type="datetimeFigureOut">
               <a:rPr lang="fr-FR" smtClean="0"/>
               <a:pPr/>
-              <a:t>31.01.14</a:t>
+              <a:t>01.02.14</a:t>
             </a:fld>
             <a:endParaRPr lang="fr-BE"/>
           </a:p>
@@ -2301,7 +2301,7 @@
             <a:fld id="{AA309A6D-C09C-4548-B29A-6CF363A7E532}" type="datetimeFigureOut">
               <a:rPr lang="fr-FR" smtClean="0"/>
               <a:pPr/>
-              <a:t>31.01.14</a:t>
+              <a:t>01.02.14</a:t>
             </a:fld>
             <a:endParaRPr lang="fr-BE"/>
           </a:p>
@@ -2393,7 +2393,7 @@
             <a:fld id="{AA309A6D-C09C-4548-B29A-6CF363A7E532}" type="datetimeFigureOut">
               <a:rPr lang="fr-FR" smtClean="0"/>
               <a:pPr/>
-              <a:t>31.01.14</a:t>
+              <a:t>01.02.14</a:t>
             </a:fld>
             <a:endParaRPr lang="fr-BE"/>
           </a:p>
@@ -2667,7 +2667,7 @@
             <a:fld id="{AA309A6D-C09C-4548-B29A-6CF363A7E532}" type="datetimeFigureOut">
               <a:rPr lang="fr-FR" smtClean="0"/>
               <a:pPr/>
-              <a:t>31.01.14</a:t>
+              <a:t>01.02.14</a:t>
             </a:fld>
             <a:endParaRPr lang="fr-BE"/>
           </a:p>
@@ -2917,7 +2917,7 @@
             <a:fld id="{AA309A6D-C09C-4548-B29A-6CF363A7E532}" type="datetimeFigureOut">
               <a:rPr lang="fr-FR" smtClean="0"/>
               <a:pPr/>
-              <a:t>31.01.14</a:t>
+              <a:t>01.02.14</a:t>
             </a:fld>
             <a:endParaRPr lang="fr-BE"/>
           </a:p>
@@ -3127,7 +3127,7 @@
             <a:fld id="{AA309A6D-C09C-4548-B29A-6CF363A7E532}" type="datetimeFigureOut">
               <a:rPr lang="fr-FR" smtClean="0"/>
               <a:pPr/>
-              <a:t>31.01.14</a:t>
+              <a:t>01.02.14</a:t>
             </a:fld>
             <a:endParaRPr lang="fr-BE"/>
           </a:p>
@@ -3542,15 +3542,11 @@
             </a:r>
             <a:r>
               <a:rPr lang="fr-CH" dirty="0" smtClean="0"/>
-              <a:t> </a:t>
+              <a:t> – Constructeurs et instances (</a:t>
             </a:r>
             <a:r>
               <a:rPr lang="fr-CH" dirty="0" smtClean="0"/>
-              <a:t>– </a:t>
-            </a:r>
-            <a:r>
-              <a:rPr lang="fr-CH" dirty="0" smtClean="0"/>
-              <a:t>Constructeurs et instances (rappels)</a:t>
+              <a:t>rappels de concepts OO)</a:t>
             </a:r>
             <a:endParaRPr lang="fr-CH" dirty="0"/>
           </a:p>
@@ -3659,14 +3655,12 @@
               <a:rPr lang="fr-CH" dirty="0" smtClean="0"/>
               <a:t>ême nom que la classe</a:t>
             </a:r>
-            <a:endParaRPr lang="fr-CH" dirty="0" smtClean="0"/>
           </a:p>
           <a:p>
             <a:r>
               <a:rPr lang="fr-CH" dirty="0" smtClean="0"/>
               <a:t>Il crée une nouvelle instance de sa classe</a:t>
             </a:r>
-            <a:endParaRPr lang="fr-CH" dirty="0" smtClean="0"/>
           </a:p>
         </p:txBody>
       </p:sp>
@@ -3807,7 +3801,6 @@
               <a:rPr lang="fr-CH" dirty="0" smtClean="0"/>
               <a:t>Les méthodes d’une instance opèrent sur les attributs de l’instance</a:t>
             </a:r>
-            <a:endParaRPr lang="fr-CH" dirty="0" smtClean="0"/>
           </a:p>
         </p:txBody>
       </p:sp>
@@ -3908,34 +3901,46 @@
           <a:p>
             <a:r>
               <a:rPr lang="fr-CH" dirty="0" smtClean="0"/>
-              <a:t>Exercice - </a:t>
-            </a:r>
+              <a:t>Exercice - 1</a:t>
+            </a:r>
+            <a:endParaRPr lang="fr-CH" dirty="0"/>
+          </a:p>
+        </p:txBody>
+      </p:sp>
+      <p:sp>
+        <p:nvSpPr>
+          <p:cNvPr id="3" name="Espace réservé du contenu 2"/>
+          <p:cNvSpPr>
+            <a:spLocks noGrp="1"/>
+          </p:cNvSpPr>
+          <p:nvPr>
+            <p:ph idx="1"/>
+          </p:nvPr>
+        </p:nvSpPr>
+        <p:spPr/>
+        <p:txBody>
+          <a:bodyPr/>
+          <a:lstStyle/>
+          <a:p>
             <a:r>
               <a:rPr lang="fr-CH" dirty="0" smtClean="0"/>
-              <a:t>1</a:t>
-            </a:r>
-            <a:endParaRPr lang="fr-CH" dirty="0"/>
-          </a:p>
-        </p:txBody>
-      </p:sp>
-      <p:sp>
-        <p:nvSpPr>
-          <p:cNvPr id="3" name="Espace réservé du contenu 2"/>
-          <p:cNvSpPr>
-            <a:spLocks noGrp="1"/>
-          </p:cNvSpPr>
-          <p:nvPr>
-            <p:ph idx="1"/>
-          </p:nvPr>
-        </p:nvSpPr>
-        <p:spPr/>
-        <p:txBody>
-          <a:bodyPr/>
-          <a:lstStyle/>
-          <a:p>
+              <a:t>Rajoutez des constructeurs à </a:t>
+            </a:r>
             <a:r>
               <a:rPr lang="fr-CH" dirty="0" smtClean="0"/>
-              <a:t>Rajoutez des constructeurs à tous les classes de la hierarchie des commandes</a:t>
+              <a:t>toutes </a:t>
+            </a:r>
+            <a:r>
+              <a:rPr lang="fr-CH" dirty="0" smtClean="0"/>
+              <a:t>les classes de la </a:t>
+            </a:r>
+            <a:r>
+              <a:rPr lang="fr-CH" dirty="0" smtClean="0"/>
+              <a:t>hierarchie </a:t>
+            </a:r>
+            <a:r>
+              <a:rPr lang="fr-CH" dirty="0" smtClean="0"/>
+              <a:t>des commandes</a:t>
             </a:r>
           </a:p>
           <a:p>
@@ -3959,7 +3964,15 @@
             </a:r>
             <a:r>
               <a:rPr lang="fr-CH" i="1" dirty="0" smtClean="0"/>
-              <a:t>Command</a:t>
+              <a:t>Command </a:t>
+            </a:r>
+            <a:r>
+              <a:rPr lang="fr-CH" dirty="0" smtClean="0"/>
+              <a:t>depuis la méthode </a:t>
+            </a:r>
+            <a:r>
+              <a:rPr lang="fr-CH" i="1" dirty="0" smtClean="0"/>
+              <a:t>main</a:t>
             </a:r>
             <a:r>
               <a:rPr lang="fr-CH" dirty="0" smtClean="0"/>
